--- a/prezentacia/Automatické plánovanie pracovných zmien.pptx
+++ b/prezentacia/Automatické plánovanie pracovných zmien.pptx
@@ -834,7 +834,7 @@
             <a:fld id="{B61BEF0D-F0BB-DE4B-95CE-6DB70DBA9567}" type="datetimeFigureOut">
               <a:rPr lang="en-US" dirty="0"/>
               <a:pPr/>
-              <a:t>2/5/2016</a:t>
+              <a:t>06/02/16</a:t>
             </a:fld>
             <a:endParaRPr lang="en-US" dirty="0"/>
           </a:p>
@@ -1082,7 +1082,7 @@
             <a:fld id="{B61BEF0D-F0BB-DE4B-95CE-6DB70DBA9567}" type="datetimeFigureOut">
               <a:rPr lang="en-US" dirty="0"/>
               <a:pPr/>
-              <a:t>2/5/2016</a:t>
+              <a:t>06/02/16</a:t>
             </a:fld>
             <a:endParaRPr lang="en-US" dirty="0"/>
           </a:p>
@@ -1393,7 +1393,7 @@
             <a:fld id="{B61BEF0D-F0BB-DE4B-95CE-6DB70DBA9567}" type="datetimeFigureOut">
               <a:rPr lang="en-US" dirty="0"/>
               <a:pPr/>
-              <a:t>2/5/2016</a:t>
+              <a:t>06/02/16</a:t>
             </a:fld>
             <a:endParaRPr lang="en-US" dirty="0"/>
           </a:p>
@@ -1731,7 +1731,7 @@
             <a:fld id="{B61BEF0D-F0BB-DE4B-95CE-6DB70DBA9567}" type="datetimeFigureOut">
               <a:rPr lang="en-US" dirty="0"/>
               <a:pPr/>
-              <a:t>2/5/2016</a:t>
+              <a:t>06/02/16</a:t>
             </a:fld>
             <a:endParaRPr lang="en-US" dirty="0"/>
           </a:p>
@@ -2042,7 +2042,7 @@
             <a:fld id="{B61BEF0D-F0BB-DE4B-95CE-6DB70DBA9567}" type="datetimeFigureOut">
               <a:rPr lang="en-US" dirty="0"/>
               <a:pPr/>
-              <a:t>2/5/2016</a:t>
+              <a:t>06/02/16</a:t>
             </a:fld>
             <a:endParaRPr lang="en-US" dirty="0"/>
           </a:p>
@@ -2432,7 +2432,7 @@
             <a:fld id="{B61BEF0D-F0BB-DE4B-95CE-6DB70DBA9567}" type="datetimeFigureOut">
               <a:rPr lang="en-US" dirty="0"/>
               <a:pPr/>
-              <a:t>2/5/2016</a:t>
+              <a:t>06/02/16</a:t>
             </a:fld>
             <a:endParaRPr lang="en-US" dirty="0"/>
           </a:p>
@@ -2598,7 +2598,7 @@
           <a:p>
             <a:fld id="{55C6B4A9-1611-4792-9094-5F34BCA07E0B}" type="datetimeFigureOut">
               <a:rPr lang="en-US" dirty="0"/>
-              <a:t>2/5/2016</a:t>
+              <a:t>06/02/16</a:t>
             </a:fld>
             <a:endParaRPr lang="en-US" dirty="0"/>
           </a:p>
@@ -2774,7 +2774,7 @@
             <a:fld id="{B61BEF0D-F0BB-DE4B-95CE-6DB70DBA9567}" type="datetimeFigureOut">
               <a:rPr lang="en-US" dirty="0"/>
               <a:pPr/>
-              <a:t>2/5/2016</a:t>
+              <a:t>06/02/16</a:t>
             </a:fld>
             <a:endParaRPr lang="en-US" dirty="0"/>
           </a:p>
@@ -2947,7 +2947,7 @@
             <a:fld id="{B61BEF0D-F0BB-DE4B-95CE-6DB70DBA9567}" type="datetimeFigureOut">
               <a:rPr lang="en-US" dirty="0"/>
               <a:pPr/>
-              <a:t>2/5/2016</a:t>
+              <a:t>06/02/16</a:t>
             </a:fld>
             <a:endParaRPr lang="en-US" dirty="0"/>
           </a:p>
@@ -3191,7 +3191,7 @@
             <a:fld id="{B61BEF0D-F0BB-DE4B-95CE-6DB70DBA9567}" type="datetimeFigureOut">
               <a:rPr lang="en-US" dirty="0"/>
               <a:pPr/>
-              <a:t>2/5/2016</a:t>
+              <a:t>06/02/16</a:t>
             </a:fld>
             <a:endParaRPr lang="en-US" dirty="0"/>
           </a:p>
@@ -3419,7 +3419,7 @@
           <a:p>
             <a:fld id="{EB712588-04B1-427B-82EE-E8DB90309F08}" type="datetimeFigureOut">
               <a:rPr lang="en-US" dirty="0"/>
-              <a:t>2/5/2016</a:t>
+              <a:t>06/02/16</a:t>
             </a:fld>
             <a:endParaRPr lang="en-US" dirty="0"/>
           </a:p>
@@ -3789,7 +3789,7 @@
             <a:fld id="{B61BEF0D-F0BB-DE4B-95CE-6DB70DBA9567}" type="datetimeFigureOut">
               <a:rPr lang="en-US" dirty="0"/>
               <a:pPr/>
-              <a:t>2/5/2016</a:t>
+              <a:t>06/02/16</a:t>
             </a:fld>
             <a:endParaRPr lang="en-US" dirty="0"/>
           </a:p>
@@ -3909,7 +3909,7 @@
             <a:fld id="{B61BEF0D-F0BB-DE4B-95CE-6DB70DBA9567}" type="datetimeFigureOut">
               <a:rPr lang="en-US" dirty="0"/>
               <a:pPr/>
-              <a:t>2/5/2016</a:t>
+              <a:t>06/02/16</a:t>
             </a:fld>
             <a:endParaRPr lang="en-US" dirty="0"/>
           </a:p>
@@ -4001,7 +4001,7 @@
             <a:fld id="{B61BEF0D-F0BB-DE4B-95CE-6DB70DBA9567}" type="datetimeFigureOut">
               <a:rPr lang="en-US" dirty="0"/>
               <a:pPr/>
-              <a:t>2/5/2016</a:t>
+              <a:t>06/02/16</a:t>
             </a:fld>
             <a:endParaRPr lang="en-US" dirty="0"/>
           </a:p>
@@ -4252,7 +4252,7 @@
           <a:p>
             <a:fld id="{42A54C80-263E-416B-A8E0-580EDEADCBDC}" type="datetimeFigureOut">
               <a:rPr lang="en-US" dirty="0"/>
-              <a:t>2/5/2016</a:t>
+              <a:t>06/02/16</a:t>
             </a:fld>
             <a:endParaRPr lang="en-US" dirty="0"/>
           </a:p>
@@ -4511,7 +4511,7 @@
             <a:fld id="{B61BEF0D-F0BB-DE4B-95CE-6DB70DBA9567}" type="datetimeFigureOut">
               <a:rPr lang="en-US" dirty="0"/>
               <a:pPr/>
-              <a:t>2/5/2016</a:t>
+              <a:t>06/02/16</a:t>
             </a:fld>
             <a:endParaRPr lang="en-US" dirty="0"/>
           </a:p>
@@ -5251,7 +5251,7 @@
             <a:fld id="{B61BEF0D-F0BB-DE4B-95CE-6DB70DBA9567}" type="datetimeFigureOut">
               <a:rPr lang="en-US" dirty="0"/>
               <a:pPr/>
-              <a:t>2/5/2016</a:t>
+              <a:t>06/02/16</a:t>
             </a:fld>
             <a:endParaRPr lang="en-US" dirty="0"/>
           </a:p>
@@ -5856,6 +5856,13 @@
   <p:clrMapOvr>
     <a:masterClrMapping/>
   </p:clrMapOvr>
+  <p:timing>
+    <p:tnLst>
+      <p:par>
+        <p:cTn xmlns:p14="http://schemas.microsoft.com/office/powerpoint/2010/main" id="1" dur="indefinite" restart="never" nodeType="tmRoot"/>
+      </p:par>
+    </p:tnLst>
+  </p:timing>
 </p:sld>
 </file>
 
@@ -5921,8 +5928,26 @@
           <a:p>
             <a:r>
               <a:rPr lang="sk-SK" dirty="0" smtClean="0"/>
-              <a:t>Automatizovať plánovanie pracovných zmien so špecifickými podmienkami</a:t>
-            </a:r>
+              <a:t>Automatizovať plánovanie pracovných zmien so špecifickými </a:t>
+            </a:r>
+            <a:r>
+              <a:rPr lang="sk-SK" dirty="0" smtClean="0"/>
+              <a:t>podmienkami</a:t>
+            </a:r>
+          </a:p>
+          <a:p>
+            <a:r>
+              <a:rPr lang="sk-SK" dirty="0" smtClean="0"/>
+              <a:t>Pouzitie OpenUP frameworku</a:t>
+            </a:r>
+            <a:endParaRPr lang="sk-SK" dirty="0" smtClean="0"/>
+          </a:p>
+          <a:p>
+            <a:r>
+              <a:rPr lang="sk-SK" dirty="0" smtClean="0"/>
+              <a:t>Implementacia u klienta</a:t>
+            </a:r>
+            <a:endParaRPr lang="sk-SK" dirty="0" smtClean="0"/>
           </a:p>
         </p:txBody>
       </p:sp>
@@ -5936,6 +5961,13 @@
   <p:clrMapOvr>
     <a:masterClrMapping/>
   </p:clrMapOvr>
+  <p:timing>
+    <p:tnLst>
+      <p:par>
+        <p:cTn xmlns:p14="http://schemas.microsoft.com/office/powerpoint/2010/main" id="1" dur="indefinite" restart="never" nodeType="tmRoot"/>
+      </p:par>
+    </p:tnLst>
+  </p:timing>
 </p:sld>
 </file>
 
@@ -6023,6 +6055,13 @@
   <p:clrMapOvr>
     <a:masterClrMapping/>
   </p:clrMapOvr>
+  <p:timing>
+    <p:tnLst>
+      <p:par>
+        <p:cTn xmlns:p14="http://schemas.microsoft.com/office/powerpoint/2010/main" id="1" dur="indefinite" restart="never" nodeType="tmRoot"/>
+      </p:par>
+    </p:tnLst>
+  </p:timing>
 </p:sld>
 </file>
 
@@ -6083,8 +6122,16 @@
           <a:p>
             <a:r>
               <a:rPr lang="sk-SK" dirty="0" smtClean="0"/>
-              <a:t>Špecifické požiadavky vyplívajúce zo zákonov</a:t>
-            </a:r>
+              <a:t>Špecifické požiadavky vyplívajúce zo </a:t>
+            </a:r>
+            <a:r>
+              <a:rPr lang="sk-SK" dirty="0" smtClean="0"/>
+              <a:t>zákonov</a:t>
+            </a:r>
+          </a:p>
+          <a:p>
+            <a:pPr lvl="1"/>
+            <a:endParaRPr lang="sk-SK" dirty="0" smtClean="0"/>
           </a:p>
           <a:p>
             <a:r>
@@ -6101,8 +6148,13 @@
           <a:p>
             <a:r>
               <a:rPr lang="sk-SK" dirty="0" smtClean="0"/>
-              <a:t>Použitie metód heuristiky</a:t>
-            </a:r>
+              <a:t>Použitie metód </a:t>
+            </a:r>
+            <a:r>
+              <a:rPr lang="sk-SK" dirty="0" smtClean="0"/>
+              <a:t>heuristiky ake heuristiky</a:t>
+            </a:r>
+            <a:endParaRPr lang="sk-SK" dirty="0" smtClean="0"/>
           </a:p>
         </p:txBody>
       </p:sp>
@@ -6116,6 +6168,13 @@
   <p:clrMapOvr>
     <a:masterClrMapping/>
   </p:clrMapOvr>
+  <p:timing>
+    <p:tnLst>
+      <p:par>
+        <p:cTn xmlns:p14="http://schemas.microsoft.com/office/powerpoint/2010/main" id="1" dur="indefinite" restart="never" nodeType="tmRoot"/>
+      </p:par>
+    </p:tnLst>
+  </p:timing>
 </p:sld>
 </file>
 
@@ -6153,7 +6212,11 @@
           <a:p>
             <a:r>
               <a:rPr lang="sk-SK" dirty="0" smtClean="0"/>
-              <a:t>System práce</a:t>
+              <a:t>System </a:t>
+            </a:r>
+            <a:r>
+              <a:rPr lang="sk-SK" dirty="0" smtClean="0"/>
+              <a:t>práce --</a:t>
             </a:r>
             <a:endParaRPr lang="sk-SK" dirty="0"/>
           </a:p>
@@ -6224,6 +6287,13 @@
   <p:clrMapOvr>
     <a:masterClrMapping/>
   </p:clrMapOvr>
+  <p:timing>
+    <p:tnLst>
+      <p:par>
+        <p:cTn xmlns:p14="http://schemas.microsoft.com/office/powerpoint/2010/main" id="1" dur="indefinite" restart="never" nodeType="tmRoot"/>
+      </p:par>
+    </p:tnLst>
+  </p:timing>
 </p:sld>
 </file>
 
@@ -6270,7 +6340,7 @@
     </a:clrScheme>
     <a:fontScheme name="Facet">
       <a:majorFont>
-        <a:latin typeface="Trebuchet MS" panose="020B0603020202020204"/>
+        <a:latin typeface="Trebuchet MS"/>
         <a:ea typeface=""/>
         <a:cs typeface=""/>
         <a:font script="Jpan" typeface="メイリオ"/>
@@ -6305,7 +6375,7 @@
         <a:font script="Geor" typeface="Sylfaen"/>
       </a:majorFont>
       <a:minorFont>
-        <a:latin typeface="Trebuchet MS" panose="020B0603020202020204"/>
+        <a:latin typeface="Trebuchet MS"/>
         <a:ea typeface=""/>
         <a:cs typeface=""/>
         <a:font script="Jpan" typeface="メイリオ"/>
@@ -6478,7 +6548,7 @@
   <a:extraClrSchemeLst/>
   <a:extLst>
     <a:ext uri="{05A4C25C-085E-4340-85A3-A5531E510DB2}">
-      <thm15:themeFamily xmlns:thm15="http://schemas.microsoft.com/office/thememl/2012/main" name="Facet" id="{C0C680CD-088A-49FC-A102-D699147F32B2}" vid="{CFBC31BA-B70F-4F30-BCAA-4F3011E16C4D}"/>
+      <thm15:themeFamily xmlns:thm15="http://schemas.microsoft.com/office/thememl/2012/main" xmlns="" name="Facet" id="{C0C680CD-088A-49FC-A102-D699147F32B2}" vid="{CFBC31BA-B70F-4F30-BCAA-4F3011E16C4D}"/>
     </a:ext>
   </a:extLst>
 </a:theme>
